--- a/Documents/Design_Documents/設計背景、機能.pptx
+++ b/Documents/Design_Documents/設計背景、機能.pptx
@@ -4,6 +4,9 @@
   <p:sldMasterIdLst>
     <p:sldMasterId id="2147483661" r:id="rId1"/>
   </p:sldMasterIdLst>
+  <p:notesMasterIdLst>
+    <p:notesMasterId r:id="rId9"/>
+  </p:notesMasterIdLst>
   <p:sldIdLst>
     <p:sldId id="256" r:id="rId2"/>
     <p:sldId id="258" r:id="rId3"/>
@@ -118,6 +121,471 @@
 </p:presentation>
 </file>
 
+<file path=ppt/notesMasters/notesMaster1.xml><?xml version="1.0" encoding="utf-8"?>
+<p:notesMaster xmlns:a="http://schemas.openxmlformats.org/drawingml/2006/main" xmlns:r="http://schemas.openxmlformats.org/officeDocument/2006/relationships" xmlns:p="http://schemas.openxmlformats.org/presentationml/2006/main">
+  <p:cSld>
+    <p:bg>
+      <p:bgRef idx="1001">
+        <a:schemeClr val="bg1"/>
+      </p:bgRef>
+    </p:bg>
+    <p:spTree>
+      <p:nvGrpSpPr>
+        <p:cNvPr id="1" name=""/>
+        <p:cNvGrpSpPr/>
+        <p:nvPr/>
+      </p:nvGrpSpPr>
+      <p:grpSpPr>
+        <a:xfrm>
+          <a:off x="0" y="0"/>
+          <a:ext cx="0" cy="0"/>
+          <a:chOff x="0" y="0"/>
+          <a:chExt cx="0" cy="0"/>
+        </a:xfrm>
+      </p:grpSpPr>
+      <p:sp>
+        <p:nvSpPr>
+          <p:cNvPr id="2" name="ヘッダー プレースホルダー 1"/>
+          <p:cNvSpPr>
+            <a:spLocks noGrp="1"/>
+          </p:cNvSpPr>
+          <p:nvPr>
+            <p:ph type="hdr" sz="quarter"/>
+          </p:nvPr>
+        </p:nvSpPr>
+        <p:spPr>
+          <a:xfrm>
+            <a:off x="0" y="0"/>
+            <a:ext cx="2971800" cy="458788"/>
+          </a:xfrm>
+          <a:prstGeom prst="rect">
+            <a:avLst/>
+          </a:prstGeom>
+        </p:spPr>
+        <p:txBody>
+          <a:bodyPr vert="horz" lIns="91440" tIns="45720" rIns="91440" bIns="45720" rtlCol="0"/>
+          <a:lstStyle>
+            <a:lvl1pPr algn="l">
+              <a:defRPr sz="1200"/>
+            </a:lvl1pPr>
+          </a:lstStyle>
+          <a:p>
+            <a:endParaRPr kumimoji="1" lang="ja-JP" altLang="en-US"/>
+          </a:p>
+        </p:txBody>
+      </p:sp>
+      <p:sp>
+        <p:nvSpPr>
+          <p:cNvPr id="3" name="日付プレースホルダー 2"/>
+          <p:cNvSpPr>
+            <a:spLocks noGrp="1"/>
+          </p:cNvSpPr>
+          <p:nvPr>
+            <p:ph type="dt" idx="1"/>
+          </p:nvPr>
+        </p:nvSpPr>
+        <p:spPr>
+          <a:xfrm>
+            <a:off x="3884613" y="0"/>
+            <a:ext cx="2971800" cy="458788"/>
+          </a:xfrm>
+          <a:prstGeom prst="rect">
+            <a:avLst/>
+          </a:prstGeom>
+        </p:spPr>
+        <p:txBody>
+          <a:bodyPr vert="horz" lIns="91440" tIns="45720" rIns="91440" bIns="45720" rtlCol="0"/>
+          <a:lstStyle>
+            <a:lvl1pPr algn="r">
+              <a:defRPr sz="1200"/>
+            </a:lvl1pPr>
+          </a:lstStyle>
+          <a:p>
+            <a:fld id="{6974A1DC-FED8-A049-A217-1A24B68BC29E}" type="datetimeFigureOut">
+              <a:rPr kumimoji="1" lang="ja-JP" altLang="en-US" smtClean="0"/>
+              <a:t>2022/5/21</a:t>
+            </a:fld>
+            <a:endParaRPr kumimoji="1" lang="ja-JP" altLang="en-US"/>
+          </a:p>
+        </p:txBody>
+      </p:sp>
+      <p:sp>
+        <p:nvSpPr>
+          <p:cNvPr id="4" name="スライド イメージ プレースホルダー 3"/>
+          <p:cNvSpPr>
+            <a:spLocks noGrp="1" noRot="1" noChangeAspect="1"/>
+          </p:cNvSpPr>
+          <p:nvPr>
+            <p:ph type="sldImg" idx="2"/>
+          </p:nvPr>
+        </p:nvSpPr>
+        <p:spPr>
+          <a:xfrm>
+            <a:off x="685800" y="1143000"/>
+            <a:ext cx="5486400" cy="3086100"/>
+          </a:xfrm>
+          <a:prstGeom prst="rect">
+            <a:avLst/>
+          </a:prstGeom>
+          <a:noFill/>
+          <a:ln w="12700">
+            <a:solidFill>
+              <a:prstClr val="black"/>
+            </a:solidFill>
+          </a:ln>
+        </p:spPr>
+        <p:txBody>
+          <a:bodyPr vert="horz" lIns="91440" tIns="45720" rIns="91440" bIns="45720" rtlCol="0" anchor="ctr"/>
+          <a:lstStyle/>
+          <a:p>
+            <a:endParaRPr lang="ja-JP" altLang="en-US"/>
+          </a:p>
+        </p:txBody>
+      </p:sp>
+      <p:sp>
+        <p:nvSpPr>
+          <p:cNvPr id="5" name="ノート プレースホルダー 4"/>
+          <p:cNvSpPr>
+            <a:spLocks noGrp="1"/>
+          </p:cNvSpPr>
+          <p:nvPr>
+            <p:ph type="body" sz="quarter" idx="3"/>
+          </p:nvPr>
+        </p:nvSpPr>
+        <p:spPr>
+          <a:xfrm>
+            <a:off x="685800" y="4400550"/>
+            <a:ext cx="5486400" cy="3600450"/>
+          </a:xfrm>
+          <a:prstGeom prst="rect">
+            <a:avLst/>
+          </a:prstGeom>
+        </p:spPr>
+        <p:txBody>
+          <a:bodyPr vert="horz" lIns="91440" tIns="45720" rIns="91440" bIns="45720" rtlCol="0"/>
+          <a:lstStyle/>
+          <a:p>
+            <a:pPr lvl="0"/>
+            <a:r>
+              <a:rPr kumimoji="1" lang="ja-JP" altLang="en-US"/>
+              <a:t>マスター テキストの書式設定</a:t>
+            </a:r>
+          </a:p>
+          <a:p>
+            <a:pPr lvl="1"/>
+            <a:r>
+              <a:rPr kumimoji="1" lang="ja-JP" altLang="en-US"/>
+              <a:t>第 </a:t>
+            </a:r>
+            <a:r>
+              <a:rPr kumimoji="1" lang="en-US" altLang="ja-JP"/>
+              <a:t>2 </a:t>
+            </a:r>
+            <a:r>
+              <a:rPr kumimoji="1" lang="ja-JP" altLang="en-US"/>
+              <a:t>レベル</a:t>
+            </a:r>
+          </a:p>
+          <a:p>
+            <a:pPr lvl="2"/>
+            <a:r>
+              <a:rPr kumimoji="1" lang="ja-JP" altLang="en-US"/>
+              <a:t>第 </a:t>
+            </a:r>
+            <a:r>
+              <a:rPr kumimoji="1" lang="en-US" altLang="ja-JP"/>
+              <a:t>3 </a:t>
+            </a:r>
+            <a:r>
+              <a:rPr kumimoji="1" lang="ja-JP" altLang="en-US"/>
+              <a:t>レベル</a:t>
+            </a:r>
+          </a:p>
+          <a:p>
+            <a:pPr lvl="3"/>
+            <a:r>
+              <a:rPr kumimoji="1" lang="ja-JP" altLang="en-US"/>
+              <a:t>第 </a:t>
+            </a:r>
+            <a:r>
+              <a:rPr kumimoji="1" lang="en-US" altLang="ja-JP"/>
+              <a:t>4 </a:t>
+            </a:r>
+            <a:r>
+              <a:rPr kumimoji="1" lang="ja-JP" altLang="en-US"/>
+              <a:t>レベル</a:t>
+            </a:r>
+          </a:p>
+          <a:p>
+            <a:pPr lvl="4"/>
+            <a:r>
+              <a:rPr kumimoji="1" lang="ja-JP" altLang="en-US"/>
+              <a:t>第 </a:t>
+            </a:r>
+            <a:r>
+              <a:rPr kumimoji="1" lang="en-US" altLang="ja-JP"/>
+              <a:t>5 </a:t>
+            </a:r>
+            <a:r>
+              <a:rPr kumimoji="1" lang="ja-JP" altLang="en-US"/>
+              <a:t>レベル</a:t>
+            </a:r>
+          </a:p>
+        </p:txBody>
+      </p:sp>
+      <p:sp>
+        <p:nvSpPr>
+          <p:cNvPr id="6" name="フッター プレースホルダー 5"/>
+          <p:cNvSpPr>
+            <a:spLocks noGrp="1"/>
+          </p:cNvSpPr>
+          <p:nvPr>
+            <p:ph type="ftr" sz="quarter" idx="4"/>
+          </p:nvPr>
+        </p:nvSpPr>
+        <p:spPr>
+          <a:xfrm>
+            <a:off x="0" y="8685213"/>
+            <a:ext cx="2971800" cy="458787"/>
+          </a:xfrm>
+          <a:prstGeom prst="rect">
+            <a:avLst/>
+          </a:prstGeom>
+        </p:spPr>
+        <p:txBody>
+          <a:bodyPr vert="horz" lIns="91440" tIns="45720" rIns="91440" bIns="45720" rtlCol="0" anchor="b"/>
+          <a:lstStyle>
+            <a:lvl1pPr algn="l">
+              <a:defRPr sz="1200"/>
+            </a:lvl1pPr>
+          </a:lstStyle>
+          <a:p>
+            <a:endParaRPr kumimoji="1" lang="ja-JP" altLang="en-US"/>
+          </a:p>
+        </p:txBody>
+      </p:sp>
+      <p:sp>
+        <p:nvSpPr>
+          <p:cNvPr id="7" name="スライド番号プレースホルダー 6"/>
+          <p:cNvSpPr>
+            <a:spLocks noGrp="1"/>
+          </p:cNvSpPr>
+          <p:nvPr>
+            <p:ph type="sldNum" sz="quarter" idx="5"/>
+          </p:nvPr>
+        </p:nvSpPr>
+        <p:spPr>
+          <a:xfrm>
+            <a:off x="3884613" y="8685213"/>
+            <a:ext cx="2971800" cy="458787"/>
+          </a:xfrm>
+          <a:prstGeom prst="rect">
+            <a:avLst/>
+          </a:prstGeom>
+        </p:spPr>
+        <p:txBody>
+          <a:bodyPr vert="horz" lIns="91440" tIns="45720" rIns="91440" bIns="45720" rtlCol="0" anchor="b"/>
+          <a:lstStyle>
+            <a:lvl1pPr algn="r">
+              <a:defRPr sz="1200"/>
+            </a:lvl1pPr>
+          </a:lstStyle>
+          <a:p>
+            <a:fld id="{82B39299-F09F-7D4F-AE21-77545EC36B04}" type="slidenum">
+              <a:rPr kumimoji="1" lang="ja-JP" altLang="en-US" smtClean="0"/>
+              <a:t>‹#›</a:t>
+            </a:fld>
+            <a:endParaRPr kumimoji="1" lang="ja-JP" altLang="en-US"/>
+          </a:p>
+        </p:txBody>
+      </p:sp>
+    </p:spTree>
+    <p:extLst>
+      <p:ext uri="{BB962C8B-B14F-4D97-AF65-F5344CB8AC3E}">
+        <p14:creationId xmlns:p14="http://schemas.microsoft.com/office/powerpoint/2010/main" val="2163325651"/>
+      </p:ext>
+    </p:extLst>
+  </p:cSld>
+  <p:clrMap bg1="lt1" tx1="dk1" bg2="lt2" tx2="dk2" accent1="accent1" accent2="accent2" accent3="accent3" accent4="accent4" accent5="accent5" accent6="accent6" hlink="hlink" folHlink="folHlink"/>
+  <p:notesStyle>
+    <a:lvl1pPr marL="0" algn="l" defTabSz="914400" rtl="0" eaLnBrk="1" latinLnBrk="0" hangingPunct="1">
+      <a:defRPr kumimoji="1" sz="1200" kern="1200">
+        <a:solidFill>
+          <a:schemeClr val="tx1"/>
+        </a:solidFill>
+        <a:latin typeface="+mn-lt"/>
+        <a:ea typeface="+mn-ea"/>
+        <a:cs typeface="+mn-cs"/>
+      </a:defRPr>
+    </a:lvl1pPr>
+    <a:lvl2pPr marL="457200" algn="l" defTabSz="914400" rtl="0" eaLnBrk="1" latinLnBrk="0" hangingPunct="1">
+      <a:defRPr kumimoji="1" sz="1200" kern="1200">
+        <a:solidFill>
+          <a:schemeClr val="tx1"/>
+        </a:solidFill>
+        <a:latin typeface="+mn-lt"/>
+        <a:ea typeface="+mn-ea"/>
+        <a:cs typeface="+mn-cs"/>
+      </a:defRPr>
+    </a:lvl2pPr>
+    <a:lvl3pPr marL="914400" algn="l" defTabSz="914400" rtl="0" eaLnBrk="1" latinLnBrk="0" hangingPunct="1">
+      <a:defRPr kumimoji="1" sz="1200" kern="1200">
+        <a:solidFill>
+          <a:schemeClr val="tx1"/>
+        </a:solidFill>
+        <a:latin typeface="+mn-lt"/>
+        <a:ea typeface="+mn-ea"/>
+        <a:cs typeface="+mn-cs"/>
+      </a:defRPr>
+    </a:lvl3pPr>
+    <a:lvl4pPr marL="1371600" algn="l" defTabSz="914400" rtl="0" eaLnBrk="1" latinLnBrk="0" hangingPunct="1">
+      <a:defRPr kumimoji="1" sz="1200" kern="1200">
+        <a:solidFill>
+          <a:schemeClr val="tx1"/>
+        </a:solidFill>
+        <a:latin typeface="+mn-lt"/>
+        <a:ea typeface="+mn-ea"/>
+        <a:cs typeface="+mn-cs"/>
+      </a:defRPr>
+    </a:lvl4pPr>
+    <a:lvl5pPr marL="1828800" algn="l" defTabSz="914400" rtl="0" eaLnBrk="1" latinLnBrk="0" hangingPunct="1">
+      <a:defRPr kumimoji="1" sz="1200" kern="1200">
+        <a:solidFill>
+          <a:schemeClr val="tx1"/>
+        </a:solidFill>
+        <a:latin typeface="+mn-lt"/>
+        <a:ea typeface="+mn-ea"/>
+        <a:cs typeface="+mn-cs"/>
+      </a:defRPr>
+    </a:lvl5pPr>
+    <a:lvl6pPr marL="2286000" algn="l" defTabSz="914400" rtl="0" eaLnBrk="1" latinLnBrk="0" hangingPunct="1">
+      <a:defRPr kumimoji="1" sz="1200" kern="1200">
+        <a:solidFill>
+          <a:schemeClr val="tx1"/>
+        </a:solidFill>
+        <a:latin typeface="+mn-lt"/>
+        <a:ea typeface="+mn-ea"/>
+        <a:cs typeface="+mn-cs"/>
+      </a:defRPr>
+    </a:lvl6pPr>
+    <a:lvl7pPr marL="2743200" algn="l" defTabSz="914400" rtl="0" eaLnBrk="1" latinLnBrk="0" hangingPunct="1">
+      <a:defRPr kumimoji="1" sz="1200" kern="1200">
+        <a:solidFill>
+          <a:schemeClr val="tx1"/>
+        </a:solidFill>
+        <a:latin typeface="+mn-lt"/>
+        <a:ea typeface="+mn-ea"/>
+        <a:cs typeface="+mn-cs"/>
+      </a:defRPr>
+    </a:lvl7pPr>
+    <a:lvl8pPr marL="3200400" algn="l" defTabSz="914400" rtl="0" eaLnBrk="1" latinLnBrk="0" hangingPunct="1">
+      <a:defRPr kumimoji="1" sz="1200" kern="1200">
+        <a:solidFill>
+          <a:schemeClr val="tx1"/>
+        </a:solidFill>
+        <a:latin typeface="+mn-lt"/>
+        <a:ea typeface="+mn-ea"/>
+        <a:cs typeface="+mn-cs"/>
+      </a:defRPr>
+    </a:lvl8pPr>
+    <a:lvl9pPr marL="3657600" algn="l" defTabSz="914400" rtl="0" eaLnBrk="1" latinLnBrk="0" hangingPunct="1">
+      <a:defRPr kumimoji="1" sz="1200" kern="1200">
+        <a:solidFill>
+          <a:schemeClr val="tx1"/>
+        </a:solidFill>
+        <a:latin typeface="+mn-lt"/>
+        <a:ea typeface="+mn-ea"/>
+        <a:cs typeface="+mn-cs"/>
+      </a:defRPr>
+    </a:lvl9pPr>
+  </p:notesStyle>
+</p:notesMaster>
+</file>
+
+<file path=ppt/notesSlides/notesSlide1.xml><?xml version="1.0" encoding="utf-8"?>
+<p:notes xmlns:a="http://schemas.openxmlformats.org/drawingml/2006/main" xmlns:r="http://schemas.openxmlformats.org/officeDocument/2006/relationships" xmlns:p="http://schemas.openxmlformats.org/presentationml/2006/main">
+  <p:cSld>
+    <p:spTree>
+      <p:nvGrpSpPr>
+        <p:cNvPr id="1" name=""/>
+        <p:cNvGrpSpPr/>
+        <p:nvPr/>
+      </p:nvGrpSpPr>
+      <p:grpSpPr>
+        <a:xfrm>
+          <a:off x="0" y="0"/>
+          <a:ext cx="0" cy="0"/>
+          <a:chOff x="0" y="0"/>
+          <a:chExt cx="0" cy="0"/>
+        </a:xfrm>
+      </p:grpSpPr>
+      <p:sp>
+        <p:nvSpPr>
+          <p:cNvPr id="2" name="スライド イメージ プレースホルダー 1"/>
+          <p:cNvSpPr>
+            <a:spLocks noGrp="1" noRot="1" noChangeAspect="1"/>
+          </p:cNvSpPr>
+          <p:nvPr>
+            <p:ph type="sldImg"/>
+          </p:nvPr>
+        </p:nvSpPr>
+        <p:spPr/>
+      </p:sp>
+      <p:sp>
+        <p:nvSpPr>
+          <p:cNvPr id="3" name="ノート プレースホルダー 2"/>
+          <p:cNvSpPr>
+            <a:spLocks noGrp="1"/>
+          </p:cNvSpPr>
+          <p:nvPr>
+            <p:ph type="body" idx="1"/>
+          </p:nvPr>
+        </p:nvSpPr>
+        <p:spPr/>
+        <p:txBody>
+          <a:bodyPr/>
+          <a:lstStyle/>
+          <a:p>
+            <a:endParaRPr kumimoji="1" lang="ja-JP" altLang="en-US"/>
+          </a:p>
+        </p:txBody>
+      </p:sp>
+      <p:sp>
+        <p:nvSpPr>
+          <p:cNvPr id="4" name="スライド番号プレースホルダー 3"/>
+          <p:cNvSpPr>
+            <a:spLocks noGrp="1"/>
+          </p:cNvSpPr>
+          <p:nvPr>
+            <p:ph type="sldNum" sz="quarter" idx="5"/>
+          </p:nvPr>
+        </p:nvSpPr>
+        <p:spPr/>
+        <p:txBody>
+          <a:bodyPr/>
+          <a:lstStyle/>
+          <a:p>
+            <a:fld id="{82B39299-F09F-7D4F-AE21-77545EC36B04}" type="slidenum">
+              <a:rPr kumimoji="1" lang="ja-JP" altLang="en-US" smtClean="0"/>
+              <a:t>2</a:t>
+            </a:fld>
+            <a:endParaRPr kumimoji="1" lang="ja-JP" altLang="en-US"/>
+          </a:p>
+        </p:txBody>
+      </p:sp>
+    </p:spTree>
+    <p:extLst>
+      <p:ext uri="{BB962C8B-B14F-4D97-AF65-F5344CB8AC3E}">
+        <p14:creationId xmlns:p14="http://schemas.microsoft.com/office/powerpoint/2010/main" val="3268397594"/>
+      </p:ext>
+    </p:extLst>
+  </p:cSld>
+  <p:clrMapOvr>
+    <a:masterClrMapping/>
+  </p:clrMapOvr>
+</p:notes>
+</file>
+
 <file path=ppt/slideLayouts/slideLayout1.xml><?xml version="1.0" encoding="utf-8"?>
 <p:sldLayout xmlns:a="http://schemas.openxmlformats.org/drawingml/2006/main" xmlns:r="http://schemas.openxmlformats.org/officeDocument/2006/relationships" xmlns:p="http://schemas.openxmlformats.org/presentationml/2006/main" type="title" preserve="1">
   <p:cSld name="タイトル スライド">
@@ -279,7 +747,7 @@
           <a:p>
             <a:fld id="{E65D71A7-1DC7-7842-9C6D-260906A0B849}" type="datetimeFigureOut">
               <a:rPr kumimoji="1" lang="ja-JP" altLang="en-US" smtClean="0"/>
-              <a:t>2022/5/20</a:t>
+              <a:t>2022/5/21</a:t>
             </a:fld>
             <a:endParaRPr kumimoji="1" lang="ja-JP" altLang="en-US"/>
           </a:p>
@@ -541,7 +1009,7 @@
           <a:p>
             <a:fld id="{E65D71A7-1DC7-7842-9C6D-260906A0B849}" type="datetimeFigureOut">
               <a:rPr kumimoji="1" lang="ja-JP" altLang="en-US" smtClean="0"/>
-              <a:t>2022/5/20</a:t>
+              <a:t>2022/5/21</a:t>
             </a:fld>
             <a:endParaRPr kumimoji="1" lang="ja-JP" altLang="en-US"/>
           </a:p>
@@ -803,7 +1271,7 @@
           <a:p>
             <a:fld id="{E65D71A7-1DC7-7842-9C6D-260906A0B849}" type="datetimeFigureOut">
               <a:rPr kumimoji="1" lang="ja-JP" altLang="en-US" smtClean="0"/>
-              <a:t>2022/5/20</a:t>
+              <a:t>2022/5/21</a:t>
             </a:fld>
             <a:endParaRPr kumimoji="1" lang="ja-JP" altLang="en-US"/>
           </a:p>
@@ -952,7 +1420,7 @@
           <a:p>
             <a:fld id="{CD4059F2-D9F3-7346-BA68-386AF6217644}" type="datetimeFigureOut">
               <a:rPr kumimoji="1" lang="ja-JP" altLang="en-US" smtClean="0"/>
-              <a:t>2022/5/20</a:t>
+              <a:t>2022/5/21</a:t>
             </a:fld>
             <a:endParaRPr kumimoji="1" lang="ja-JP" altLang="en-US"/>
           </a:p>
@@ -1181,7 +1649,7 @@
           <a:p>
             <a:fld id="{E65D71A7-1DC7-7842-9C6D-260906A0B849}" type="datetimeFigureOut">
               <a:rPr kumimoji="1" lang="ja-JP" altLang="en-US" smtClean="0"/>
-              <a:t>2022/5/20</a:t>
+              <a:t>2022/5/21</a:t>
             </a:fld>
             <a:endParaRPr kumimoji="1" lang="ja-JP" altLang="en-US"/>
           </a:p>
@@ -1478,7 +1946,7 @@
           <a:p>
             <a:fld id="{E65D71A7-1DC7-7842-9C6D-260906A0B849}" type="datetimeFigureOut">
               <a:rPr kumimoji="1" lang="ja-JP" altLang="en-US" smtClean="0"/>
-              <a:t>2022/5/20</a:t>
+              <a:t>2022/5/21</a:t>
             </a:fld>
             <a:endParaRPr kumimoji="1" lang="ja-JP" altLang="en-US"/>
           </a:p>
@@ -1837,7 +2305,7 @@
           <a:p>
             <a:fld id="{E65D71A7-1DC7-7842-9C6D-260906A0B849}" type="datetimeFigureOut">
               <a:rPr kumimoji="1" lang="ja-JP" altLang="en-US" smtClean="0"/>
-              <a:t>2022/5/20</a:t>
+              <a:t>2022/5/21</a:t>
             </a:fld>
             <a:endParaRPr kumimoji="1" lang="ja-JP" altLang="en-US"/>
           </a:p>
@@ -2344,7 +2812,7 @@
           <a:p>
             <a:fld id="{E65D71A7-1DC7-7842-9C6D-260906A0B849}" type="datetimeFigureOut">
               <a:rPr kumimoji="1" lang="ja-JP" altLang="en-US" smtClean="0"/>
-              <a:t>2022/5/20</a:t>
+              <a:t>2022/5/21</a:t>
             </a:fld>
             <a:endParaRPr kumimoji="1" lang="ja-JP" altLang="en-US"/>
           </a:p>
@@ -2509,7 +2977,7 @@
           <a:p>
             <a:fld id="{E65D71A7-1DC7-7842-9C6D-260906A0B849}" type="datetimeFigureOut">
               <a:rPr kumimoji="1" lang="ja-JP" altLang="en-US" smtClean="0"/>
-              <a:t>2022/5/20</a:t>
+              <a:t>2022/5/21</a:t>
             </a:fld>
             <a:endParaRPr kumimoji="1" lang="ja-JP" altLang="en-US"/>
           </a:p>
@@ -2638,7 +3106,7 @@
           <a:p>
             <a:fld id="{E65D71A7-1DC7-7842-9C6D-260906A0B849}" type="datetimeFigureOut">
               <a:rPr kumimoji="1" lang="ja-JP" altLang="en-US" smtClean="0"/>
-              <a:t>2022/5/20</a:t>
+              <a:t>2022/5/21</a:t>
             </a:fld>
             <a:endParaRPr kumimoji="1" lang="ja-JP" altLang="en-US"/>
           </a:p>
@@ -3006,7 +3474,7 @@
           <a:p>
             <a:fld id="{E65D71A7-1DC7-7842-9C6D-260906A0B849}" type="datetimeFigureOut">
               <a:rPr kumimoji="1" lang="ja-JP" altLang="en-US" smtClean="0"/>
-              <a:t>2022/5/20</a:t>
+              <a:t>2022/5/21</a:t>
             </a:fld>
             <a:endParaRPr kumimoji="1" lang="ja-JP" altLang="en-US"/>
           </a:p>
@@ -3319,7 +3787,7 @@
           <a:p>
             <a:fld id="{E65D71A7-1DC7-7842-9C6D-260906A0B849}" type="datetimeFigureOut">
               <a:rPr kumimoji="1" lang="ja-JP" altLang="en-US" smtClean="0"/>
-              <a:t>2022/5/20</a:t>
+              <a:t>2022/5/21</a:t>
             </a:fld>
             <a:endParaRPr kumimoji="1" lang="ja-JP" altLang="en-US"/>
           </a:p>
@@ -3604,7 +4072,7 @@
           <a:p>
             <a:fld id="{CD4059F2-D9F3-7346-BA68-386AF6217644}" type="datetimeFigureOut">
               <a:rPr kumimoji="1" lang="ja-JP" altLang="en-US" smtClean="0"/>
-              <a:t>2022/5/20</a:t>
+              <a:t>2022/5/21</a:t>
             </a:fld>
             <a:endParaRPr kumimoji="1" lang="ja-JP" altLang="en-US"/>
           </a:p>
@@ -4339,101 +4807,6 @@
       </p:sp>
       <p:sp>
         <p:nvSpPr>
-          <p:cNvPr id="3" name="テキスト ボックス 2">
-            <a:extLst>
-              <a:ext uri="{FF2B5EF4-FFF2-40B4-BE49-F238E27FC236}">
-                <a16:creationId xmlns:a16="http://schemas.microsoft.com/office/drawing/2014/main" id="{8B3A0FB9-71B6-0474-44C7-D227DE18B174}"/>
-              </a:ext>
-            </a:extLst>
-          </p:cNvPr>
-          <p:cNvSpPr txBox="1"/>
-          <p:nvPr/>
-        </p:nvSpPr>
-        <p:spPr>
-          <a:xfrm>
-            <a:off x="270128" y="926487"/>
-            <a:ext cx="1338828" cy="369332"/>
-          </a:xfrm>
-          <a:prstGeom prst="rect">
-            <a:avLst/>
-          </a:prstGeom>
-          <a:noFill/>
-        </p:spPr>
-        <p:txBody>
-          <a:bodyPr wrap="none" rtlCol="0">
-            <a:spAutoFit/>
-          </a:bodyPr>
-          <a:lstStyle/>
-          <a:p>
-            <a:r>
-              <a:rPr kumimoji="1" lang="ja-JP" altLang="en-US" u="sng"/>
-              <a:t>ターゲット</a:t>
-            </a:r>
-          </a:p>
-        </p:txBody>
-      </p:sp>
-      <p:pic>
-        <p:nvPicPr>
-          <p:cNvPr id="5" name="図 4">
-            <a:extLst>
-              <a:ext uri="{FF2B5EF4-FFF2-40B4-BE49-F238E27FC236}">
-                <a16:creationId xmlns:a16="http://schemas.microsoft.com/office/drawing/2014/main" id="{4237DE0D-E5CE-E81F-7A58-A49CA67C3470}"/>
-              </a:ext>
-            </a:extLst>
-          </p:cNvPr>
-          <p:cNvPicPr>
-            <a:picLocks noChangeAspect="1"/>
-          </p:cNvPicPr>
-          <p:nvPr/>
-        </p:nvPicPr>
-        <p:blipFill>
-          <a:blip r:embed="rId2"/>
-          <a:stretch>
-            <a:fillRect/>
-          </a:stretch>
-        </p:blipFill>
-        <p:spPr>
-          <a:xfrm>
-            <a:off x="270128" y="1506332"/>
-            <a:ext cx="4640987" cy="4249934"/>
-          </a:xfrm>
-          <a:prstGeom prst="rect">
-            <a:avLst/>
-          </a:prstGeom>
-        </p:spPr>
-      </p:pic>
-      <p:pic>
-        <p:nvPicPr>
-          <p:cNvPr id="8" name="図 7">
-            <a:extLst>
-              <a:ext uri="{FF2B5EF4-FFF2-40B4-BE49-F238E27FC236}">
-                <a16:creationId xmlns:a16="http://schemas.microsoft.com/office/drawing/2014/main" id="{F5D8B8C7-A21C-A6F7-1DBC-9EF490B88573}"/>
-              </a:ext>
-            </a:extLst>
-          </p:cNvPr>
-          <p:cNvPicPr>
-            <a:picLocks noChangeAspect="1"/>
-          </p:cNvPicPr>
-          <p:nvPr/>
-        </p:nvPicPr>
-        <p:blipFill>
-          <a:blip r:embed="rId3"/>
-          <a:stretch>
-            <a:fillRect/>
-          </a:stretch>
-        </p:blipFill>
-        <p:spPr>
-          <a:xfrm>
-            <a:off x="4911115" y="818911"/>
-            <a:ext cx="6853518" cy="3786929"/>
-          </a:xfrm>
-          <a:prstGeom prst="rect">
-            <a:avLst/>
-          </a:prstGeom>
-        </p:spPr>
-      </p:pic>
-      <p:sp>
-        <p:nvSpPr>
           <p:cNvPr id="9" name="正方形/長方形 8">
             <a:extLst>
               <a:ext uri="{FF2B5EF4-FFF2-40B4-BE49-F238E27FC236}">
@@ -4755,6 +5128,975 @@
           </a:p>
         </p:txBody>
       </p:sp>
+      <p:grpSp>
+        <p:nvGrpSpPr>
+          <p:cNvPr id="31" name="グループ化 30">
+            <a:extLst>
+              <a:ext uri="{FF2B5EF4-FFF2-40B4-BE49-F238E27FC236}">
+                <a16:creationId xmlns:a16="http://schemas.microsoft.com/office/drawing/2014/main" id="{4901353F-A9C8-5A80-35A7-42C0BF62F35C}"/>
+              </a:ext>
+            </a:extLst>
+          </p:cNvPr>
+          <p:cNvGrpSpPr/>
+          <p:nvPr/>
+        </p:nvGrpSpPr>
+        <p:grpSpPr>
+          <a:xfrm>
+            <a:off x="270128" y="926487"/>
+            <a:ext cx="4640987" cy="4627480"/>
+            <a:chOff x="270128" y="926487"/>
+            <a:chExt cx="4640987" cy="4627480"/>
+          </a:xfrm>
+        </p:grpSpPr>
+        <p:sp>
+          <p:nvSpPr>
+            <p:cNvPr id="3" name="テキスト ボックス 2">
+              <a:extLst>
+                <a:ext uri="{FF2B5EF4-FFF2-40B4-BE49-F238E27FC236}">
+                  <a16:creationId xmlns:a16="http://schemas.microsoft.com/office/drawing/2014/main" id="{8B3A0FB9-71B6-0474-44C7-D227DE18B174}"/>
+                </a:ext>
+              </a:extLst>
+            </p:cNvPr>
+            <p:cNvSpPr txBox="1"/>
+            <p:nvPr/>
+          </p:nvSpPr>
+          <p:spPr>
+            <a:xfrm>
+              <a:off x="270128" y="926487"/>
+              <a:ext cx="1338828" cy="369332"/>
+            </a:xfrm>
+            <a:prstGeom prst="rect">
+              <a:avLst/>
+            </a:prstGeom>
+            <a:noFill/>
+          </p:spPr>
+          <p:txBody>
+            <a:bodyPr wrap="none" rtlCol="0">
+              <a:spAutoFit/>
+            </a:bodyPr>
+            <a:lstStyle/>
+            <a:p>
+              <a:r>
+                <a:rPr kumimoji="1" lang="ja-JP" altLang="en-US" u="sng"/>
+                <a:t>ターゲット</a:t>
+              </a:r>
+            </a:p>
+          </p:txBody>
+        </p:sp>
+        <p:pic>
+          <p:nvPicPr>
+            <p:cNvPr id="5" name="図 4">
+              <a:extLst>
+                <a:ext uri="{FF2B5EF4-FFF2-40B4-BE49-F238E27FC236}">
+                  <a16:creationId xmlns:a16="http://schemas.microsoft.com/office/drawing/2014/main" id="{4237DE0D-E5CE-E81F-7A58-A49CA67C3470}"/>
+                </a:ext>
+              </a:extLst>
+            </p:cNvPr>
+            <p:cNvPicPr>
+              <a:picLocks noChangeAspect="1"/>
+            </p:cNvPicPr>
+            <p:nvPr/>
+          </p:nvPicPr>
+          <p:blipFill>
+            <a:blip r:embed="rId3"/>
+            <a:stretch>
+              <a:fillRect/>
+            </a:stretch>
+          </p:blipFill>
+          <p:spPr>
+            <a:xfrm>
+              <a:off x="270128" y="1304033"/>
+              <a:ext cx="4640987" cy="4249934"/>
+            </a:xfrm>
+            <a:prstGeom prst="rect">
+              <a:avLst/>
+            </a:prstGeom>
+          </p:spPr>
+        </p:pic>
+        <p:sp>
+          <p:nvSpPr>
+            <p:cNvPr id="6" name="正方形/長方形 5">
+              <a:extLst>
+                <a:ext uri="{FF2B5EF4-FFF2-40B4-BE49-F238E27FC236}">
+                  <a16:creationId xmlns:a16="http://schemas.microsoft.com/office/drawing/2014/main" id="{14CBB0E4-B0BA-625B-2BD5-D460003C74F9}"/>
+                </a:ext>
+              </a:extLst>
+            </p:cNvPr>
+            <p:cNvSpPr/>
+            <p:nvPr/>
+          </p:nvSpPr>
+          <p:spPr>
+            <a:xfrm>
+              <a:off x="1781666" y="2305230"/>
+              <a:ext cx="1611983" cy="121845"/>
+            </a:xfrm>
+            <a:prstGeom prst="rect">
+              <a:avLst/>
+            </a:prstGeom>
+            <a:noFill/>
+            <a:ln>
+              <a:solidFill>
+                <a:srgbClr val="FF0000"/>
+              </a:solidFill>
+            </a:ln>
+          </p:spPr>
+          <p:style>
+            <a:lnRef idx="2">
+              <a:schemeClr val="accent1">
+                <a:shade val="50000"/>
+              </a:schemeClr>
+            </a:lnRef>
+            <a:fillRef idx="1">
+              <a:schemeClr val="accent1"/>
+            </a:fillRef>
+            <a:effectRef idx="0">
+              <a:schemeClr val="accent1"/>
+            </a:effectRef>
+            <a:fontRef idx="minor">
+              <a:schemeClr val="lt1"/>
+            </a:fontRef>
+          </p:style>
+          <p:txBody>
+            <a:bodyPr rtlCol="0" anchor="ctr"/>
+            <a:lstStyle/>
+            <a:p>
+              <a:pPr algn="ctr"/>
+              <a:endParaRPr kumimoji="1" lang="ja-JP" altLang="en-US"/>
+            </a:p>
+          </p:txBody>
+        </p:sp>
+        <p:sp>
+          <p:nvSpPr>
+            <p:cNvPr id="24" name="正方形/長方形 23">
+              <a:extLst>
+                <a:ext uri="{FF2B5EF4-FFF2-40B4-BE49-F238E27FC236}">
+                  <a16:creationId xmlns:a16="http://schemas.microsoft.com/office/drawing/2014/main" id="{752C9D93-6F1C-16BA-8748-F5A5CE405CC7}"/>
+                </a:ext>
+              </a:extLst>
+            </p:cNvPr>
+            <p:cNvSpPr/>
+            <p:nvPr/>
+          </p:nvSpPr>
+          <p:spPr>
+            <a:xfrm>
+              <a:off x="1648052" y="2472979"/>
+              <a:ext cx="1943560" cy="121845"/>
+            </a:xfrm>
+            <a:prstGeom prst="rect">
+              <a:avLst/>
+            </a:prstGeom>
+            <a:noFill/>
+            <a:ln>
+              <a:solidFill>
+                <a:srgbClr val="FF0000"/>
+              </a:solidFill>
+            </a:ln>
+          </p:spPr>
+          <p:style>
+            <a:lnRef idx="2">
+              <a:schemeClr val="accent1">
+                <a:shade val="50000"/>
+              </a:schemeClr>
+            </a:lnRef>
+            <a:fillRef idx="1">
+              <a:schemeClr val="accent1"/>
+            </a:fillRef>
+            <a:effectRef idx="0">
+              <a:schemeClr val="accent1"/>
+            </a:effectRef>
+            <a:fontRef idx="minor">
+              <a:schemeClr val="lt1"/>
+            </a:fontRef>
+          </p:style>
+          <p:txBody>
+            <a:bodyPr rtlCol="0" anchor="ctr"/>
+            <a:lstStyle/>
+            <a:p>
+              <a:pPr algn="ctr"/>
+              <a:endParaRPr kumimoji="1" lang="ja-JP" altLang="en-US"/>
+            </a:p>
+          </p:txBody>
+        </p:sp>
+        <p:sp>
+          <p:nvSpPr>
+            <p:cNvPr id="25" name="正方形/長方形 24">
+              <a:extLst>
+                <a:ext uri="{FF2B5EF4-FFF2-40B4-BE49-F238E27FC236}">
+                  <a16:creationId xmlns:a16="http://schemas.microsoft.com/office/drawing/2014/main" id="{A9A636D1-2E8D-6341-0546-17529903B6ED}"/>
+                </a:ext>
+              </a:extLst>
+            </p:cNvPr>
+            <p:cNvSpPr/>
+            <p:nvPr/>
+          </p:nvSpPr>
+          <p:spPr>
+            <a:xfrm>
+              <a:off x="1707689" y="2640007"/>
+              <a:ext cx="1883923" cy="121845"/>
+            </a:xfrm>
+            <a:prstGeom prst="rect">
+              <a:avLst/>
+            </a:prstGeom>
+            <a:noFill/>
+            <a:ln>
+              <a:solidFill>
+                <a:srgbClr val="FF0000"/>
+              </a:solidFill>
+            </a:ln>
+          </p:spPr>
+          <p:style>
+            <a:lnRef idx="2">
+              <a:schemeClr val="accent1">
+                <a:shade val="50000"/>
+              </a:schemeClr>
+            </a:lnRef>
+            <a:fillRef idx="1">
+              <a:schemeClr val="accent1"/>
+            </a:fillRef>
+            <a:effectRef idx="0">
+              <a:schemeClr val="accent1"/>
+            </a:effectRef>
+            <a:fontRef idx="minor">
+              <a:schemeClr val="lt1"/>
+            </a:fontRef>
+          </p:style>
+          <p:txBody>
+            <a:bodyPr rtlCol="0" anchor="ctr"/>
+            <a:lstStyle/>
+            <a:p>
+              <a:pPr algn="ctr"/>
+              <a:endParaRPr kumimoji="1" lang="ja-JP" altLang="en-US"/>
+            </a:p>
+          </p:txBody>
+        </p:sp>
+        <p:sp>
+          <p:nvSpPr>
+            <p:cNvPr id="26" name="正方形/長方形 25">
+              <a:extLst>
+                <a:ext uri="{FF2B5EF4-FFF2-40B4-BE49-F238E27FC236}">
+                  <a16:creationId xmlns:a16="http://schemas.microsoft.com/office/drawing/2014/main" id="{90FAB19C-2246-BE83-CA18-D9930E21717F}"/>
+                </a:ext>
+              </a:extLst>
+            </p:cNvPr>
+            <p:cNvSpPr/>
+            <p:nvPr/>
+          </p:nvSpPr>
+          <p:spPr>
+            <a:xfrm>
+              <a:off x="1605756" y="3660152"/>
+              <a:ext cx="2051844" cy="121845"/>
+            </a:xfrm>
+            <a:prstGeom prst="rect">
+              <a:avLst/>
+            </a:prstGeom>
+            <a:noFill/>
+            <a:ln>
+              <a:solidFill>
+                <a:srgbClr val="FF0000"/>
+              </a:solidFill>
+            </a:ln>
+          </p:spPr>
+          <p:style>
+            <a:lnRef idx="2">
+              <a:schemeClr val="accent1">
+                <a:shade val="50000"/>
+              </a:schemeClr>
+            </a:lnRef>
+            <a:fillRef idx="1">
+              <a:schemeClr val="accent1"/>
+            </a:fillRef>
+            <a:effectRef idx="0">
+              <a:schemeClr val="accent1"/>
+            </a:effectRef>
+            <a:fontRef idx="minor">
+              <a:schemeClr val="lt1"/>
+            </a:fontRef>
+          </p:style>
+          <p:txBody>
+            <a:bodyPr rtlCol="0" anchor="ctr"/>
+            <a:lstStyle/>
+            <a:p>
+              <a:pPr algn="ctr"/>
+              <a:endParaRPr kumimoji="1" lang="ja-JP" altLang="en-US"/>
+            </a:p>
+          </p:txBody>
+        </p:sp>
+        <p:sp>
+          <p:nvSpPr>
+            <p:cNvPr id="27" name="正方形/長方形 26">
+              <a:extLst>
+                <a:ext uri="{FF2B5EF4-FFF2-40B4-BE49-F238E27FC236}">
+                  <a16:creationId xmlns:a16="http://schemas.microsoft.com/office/drawing/2014/main" id="{DB9E5992-AFBC-9D93-F405-01A9268CB1A7}"/>
+                </a:ext>
+              </a:extLst>
+            </p:cNvPr>
+            <p:cNvSpPr/>
+            <p:nvPr/>
+          </p:nvSpPr>
+          <p:spPr>
+            <a:xfrm>
+              <a:off x="1506651" y="3833918"/>
+              <a:ext cx="1943559" cy="121845"/>
+            </a:xfrm>
+            <a:prstGeom prst="rect">
+              <a:avLst/>
+            </a:prstGeom>
+            <a:noFill/>
+            <a:ln>
+              <a:solidFill>
+                <a:srgbClr val="FF0000"/>
+              </a:solidFill>
+            </a:ln>
+          </p:spPr>
+          <p:style>
+            <a:lnRef idx="2">
+              <a:schemeClr val="accent1">
+                <a:shade val="50000"/>
+              </a:schemeClr>
+            </a:lnRef>
+            <a:fillRef idx="1">
+              <a:schemeClr val="accent1"/>
+            </a:fillRef>
+            <a:effectRef idx="0">
+              <a:schemeClr val="accent1"/>
+            </a:effectRef>
+            <a:fontRef idx="minor">
+              <a:schemeClr val="lt1"/>
+            </a:fontRef>
+          </p:style>
+          <p:txBody>
+            <a:bodyPr rtlCol="0" anchor="ctr"/>
+            <a:lstStyle/>
+            <a:p>
+              <a:pPr algn="ctr"/>
+              <a:endParaRPr kumimoji="1" lang="ja-JP" altLang="en-US"/>
+            </a:p>
+          </p:txBody>
+        </p:sp>
+        <p:sp>
+          <p:nvSpPr>
+            <p:cNvPr id="28" name="正方形/長方形 27">
+              <a:extLst>
+                <a:ext uri="{FF2B5EF4-FFF2-40B4-BE49-F238E27FC236}">
+                  <a16:creationId xmlns:a16="http://schemas.microsoft.com/office/drawing/2014/main" id="{8B9D8408-EF86-46AC-A8A2-366004E57AD5}"/>
+                </a:ext>
+              </a:extLst>
+            </p:cNvPr>
+            <p:cNvSpPr/>
+            <p:nvPr/>
+          </p:nvSpPr>
+          <p:spPr>
+            <a:xfrm>
+              <a:off x="1369017" y="4007684"/>
+              <a:ext cx="2024631" cy="115107"/>
+            </a:xfrm>
+            <a:prstGeom prst="rect">
+              <a:avLst/>
+            </a:prstGeom>
+            <a:noFill/>
+            <a:ln>
+              <a:solidFill>
+                <a:srgbClr val="FF0000"/>
+              </a:solidFill>
+            </a:ln>
+          </p:spPr>
+          <p:style>
+            <a:lnRef idx="2">
+              <a:schemeClr val="accent1">
+                <a:shade val="50000"/>
+              </a:schemeClr>
+            </a:lnRef>
+            <a:fillRef idx="1">
+              <a:schemeClr val="accent1"/>
+            </a:fillRef>
+            <a:effectRef idx="0">
+              <a:schemeClr val="accent1"/>
+            </a:effectRef>
+            <a:fontRef idx="minor">
+              <a:schemeClr val="lt1"/>
+            </a:fontRef>
+          </p:style>
+          <p:txBody>
+            <a:bodyPr rtlCol="0" anchor="ctr"/>
+            <a:lstStyle/>
+            <a:p>
+              <a:pPr algn="ctr"/>
+              <a:endParaRPr kumimoji="1" lang="ja-JP" altLang="en-US"/>
+            </a:p>
+          </p:txBody>
+        </p:sp>
+        <p:sp>
+          <p:nvSpPr>
+            <p:cNvPr id="29" name="正方形/長方形 28">
+              <a:extLst>
+                <a:ext uri="{FF2B5EF4-FFF2-40B4-BE49-F238E27FC236}">
+                  <a16:creationId xmlns:a16="http://schemas.microsoft.com/office/drawing/2014/main" id="{A0E4E935-1931-93AA-1E57-A213868C8D33}"/>
+                </a:ext>
+              </a:extLst>
+            </p:cNvPr>
+            <p:cNvSpPr/>
+            <p:nvPr/>
+          </p:nvSpPr>
+          <p:spPr>
+            <a:xfrm>
+              <a:off x="1387869" y="4166276"/>
+              <a:ext cx="1826671" cy="133097"/>
+            </a:xfrm>
+            <a:prstGeom prst="rect">
+              <a:avLst/>
+            </a:prstGeom>
+            <a:noFill/>
+            <a:ln>
+              <a:solidFill>
+                <a:srgbClr val="FF0000"/>
+              </a:solidFill>
+            </a:ln>
+          </p:spPr>
+          <p:style>
+            <a:lnRef idx="2">
+              <a:schemeClr val="accent1">
+                <a:shade val="50000"/>
+              </a:schemeClr>
+            </a:lnRef>
+            <a:fillRef idx="1">
+              <a:schemeClr val="accent1"/>
+            </a:fillRef>
+            <a:effectRef idx="0">
+              <a:schemeClr val="accent1"/>
+            </a:effectRef>
+            <a:fontRef idx="minor">
+              <a:schemeClr val="lt1"/>
+            </a:fontRef>
+          </p:style>
+          <p:txBody>
+            <a:bodyPr rtlCol="0" anchor="ctr"/>
+            <a:lstStyle/>
+            <a:p>
+              <a:pPr algn="ctr"/>
+              <a:endParaRPr kumimoji="1" lang="ja-JP" altLang="en-US"/>
+            </a:p>
+          </p:txBody>
+        </p:sp>
+        <p:sp>
+          <p:nvSpPr>
+            <p:cNvPr id="30" name="正方形/長方形 29">
+              <a:extLst>
+                <a:ext uri="{FF2B5EF4-FFF2-40B4-BE49-F238E27FC236}">
+                  <a16:creationId xmlns:a16="http://schemas.microsoft.com/office/drawing/2014/main" id="{8C8BE744-A111-335E-BFAE-24BDA5910C11}"/>
+                </a:ext>
+              </a:extLst>
+            </p:cNvPr>
+            <p:cNvSpPr/>
+            <p:nvPr/>
+          </p:nvSpPr>
+          <p:spPr>
+            <a:xfrm>
+              <a:off x="1645696" y="2813773"/>
+              <a:ext cx="1673978" cy="121845"/>
+            </a:xfrm>
+            <a:prstGeom prst="rect">
+              <a:avLst/>
+            </a:prstGeom>
+            <a:noFill/>
+            <a:ln>
+              <a:solidFill>
+                <a:srgbClr val="FF0000"/>
+              </a:solidFill>
+            </a:ln>
+          </p:spPr>
+          <p:style>
+            <a:lnRef idx="2">
+              <a:schemeClr val="accent1">
+                <a:shade val="50000"/>
+              </a:schemeClr>
+            </a:lnRef>
+            <a:fillRef idx="1">
+              <a:schemeClr val="accent1"/>
+            </a:fillRef>
+            <a:effectRef idx="0">
+              <a:schemeClr val="accent1"/>
+            </a:effectRef>
+            <a:fontRef idx="minor">
+              <a:schemeClr val="lt1"/>
+            </a:fontRef>
+          </p:style>
+          <p:txBody>
+            <a:bodyPr rtlCol="0" anchor="ctr"/>
+            <a:lstStyle/>
+            <a:p>
+              <a:pPr algn="ctr"/>
+              <a:endParaRPr kumimoji="1" lang="ja-JP" altLang="en-US"/>
+            </a:p>
+          </p:txBody>
+        </p:sp>
+      </p:grpSp>
+      <p:grpSp>
+        <p:nvGrpSpPr>
+          <p:cNvPr id="33" name="グループ化 32">
+            <a:extLst>
+              <a:ext uri="{FF2B5EF4-FFF2-40B4-BE49-F238E27FC236}">
+                <a16:creationId xmlns:a16="http://schemas.microsoft.com/office/drawing/2014/main" id="{DCDA35CB-34D3-3928-2D29-27AA2420D197}"/>
+              </a:ext>
+            </a:extLst>
+          </p:cNvPr>
+          <p:cNvGrpSpPr/>
+          <p:nvPr/>
+        </p:nvGrpSpPr>
+        <p:grpSpPr>
+          <a:xfrm>
+            <a:off x="4911115" y="818911"/>
+            <a:ext cx="6853518" cy="3786929"/>
+            <a:chOff x="4911115" y="818911"/>
+            <a:chExt cx="6853518" cy="3786929"/>
+          </a:xfrm>
+        </p:grpSpPr>
+        <p:pic>
+          <p:nvPicPr>
+            <p:cNvPr id="8" name="図 7">
+              <a:extLst>
+                <a:ext uri="{FF2B5EF4-FFF2-40B4-BE49-F238E27FC236}">
+                  <a16:creationId xmlns:a16="http://schemas.microsoft.com/office/drawing/2014/main" id="{F5D8B8C7-A21C-A6F7-1DBC-9EF490B88573}"/>
+                </a:ext>
+              </a:extLst>
+            </p:cNvPr>
+            <p:cNvPicPr>
+              <a:picLocks noChangeAspect="1"/>
+            </p:cNvPicPr>
+            <p:nvPr/>
+          </p:nvPicPr>
+          <p:blipFill>
+            <a:blip r:embed="rId4"/>
+            <a:stretch>
+              <a:fillRect/>
+            </a:stretch>
+          </p:blipFill>
+          <p:spPr>
+            <a:xfrm>
+              <a:off x="4911115" y="818911"/>
+              <a:ext cx="6853518" cy="3786929"/>
+            </a:xfrm>
+            <a:prstGeom prst="rect">
+              <a:avLst/>
+            </a:prstGeom>
+          </p:spPr>
+        </p:pic>
+        <p:sp>
+          <p:nvSpPr>
+            <p:cNvPr id="4" name="円/楕円 3">
+              <a:extLst>
+                <a:ext uri="{FF2B5EF4-FFF2-40B4-BE49-F238E27FC236}">
+                  <a16:creationId xmlns:a16="http://schemas.microsoft.com/office/drawing/2014/main" id="{382B6669-9FB4-6752-B8E7-C3BF78274C23}"/>
+                </a:ext>
+              </a:extLst>
+            </p:cNvPr>
+            <p:cNvSpPr/>
+            <p:nvPr/>
+          </p:nvSpPr>
+          <p:spPr>
+            <a:xfrm>
+              <a:off x="8348353" y="1508167"/>
+              <a:ext cx="356260" cy="201880"/>
+            </a:xfrm>
+            <a:prstGeom prst="ellipse">
+              <a:avLst/>
+            </a:prstGeom>
+            <a:noFill/>
+            <a:ln>
+              <a:solidFill>
+                <a:srgbClr val="FF0000"/>
+              </a:solidFill>
+            </a:ln>
+          </p:spPr>
+          <p:style>
+            <a:lnRef idx="2">
+              <a:schemeClr val="accent1">
+                <a:shade val="50000"/>
+              </a:schemeClr>
+            </a:lnRef>
+            <a:fillRef idx="1">
+              <a:schemeClr val="accent1"/>
+            </a:fillRef>
+            <a:effectRef idx="0">
+              <a:schemeClr val="accent1"/>
+            </a:effectRef>
+            <a:fontRef idx="minor">
+              <a:schemeClr val="lt1"/>
+            </a:fontRef>
+          </p:style>
+          <p:txBody>
+            <a:bodyPr rtlCol="0" anchor="ctr"/>
+            <a:lstStyle/>
+            <a:p>
+              <a:pPr algn="ctr"/>
+              <a:endParaRPr kumimoji="1" lang="ja-JP" altLang="en-US"/>
+            </a:p>
+          </p:txBody>
+        </p:sp>
+        <p:sp>
+          <p:nvSpPr>
+            <p:cNvPr id="14" name="円/楕円 13">
+              <a:extLst>
+                <a:ext uri="{FF2B5EF4-FFF2-40B4-BE49-F238E27FC236}">
+                  <a16:creationId xmlns:a16="http://schemas.microsoft.com/office/drawing/2014/main" id="{40E474AC-C76F-168E-0465-B9F367A9FFE4}"/>
+                </a:ext>
+              </a:extLst>
+            </p:cNvPr>
+            <p:cNvSpPr/>
+            <p:nvPr/>
+          </p:nvSpPr>
+          <p:spPr>
+            <a:xfrm>
+              <a:off x="9070767" y="1506332"/>
+              <a:ext cx="356260" cy="201880"/>
+            </a:xfrm>
+            <a:prstGeom prst="ellipse">
+              <a:avLst/>
+            </a:prstGeom>
+            <a:noFill/>
+            <a:ln>
+              <a:solidFill>
+                <a:srgbClr val="FF0000"/>
+              </a:solidFill>
+            </a:ln>
+          </p:spPr>
+          <p:style>
+            <a:lnRef idx="2">
+              <a:schemeClr val="accent1">
+                <a:shade val="50000"/>
+              </a:schemeClr>
+            </a:lnRef>
+            <a:fillRef idx="1">
+              <a:schemeClr val="accent1"/>
+            </a:fillRef>
+            <a:effectRef idx="0">
+              <a:schemeClr val="accent1"/>
+            </a:effectRef>
+            <a:fontRef idx="minor">
+              <a:schemeClr val="lt1"/>
+            </a:fontRef>
+          </p:style>
+          <p:txBody>
+            <a:bodyPr rtlCol="0" anchor="ctr"/>
+            <a:lstStyle/>
+            <a:p>
+              <a:pPr algn="ctr"/>
+              <a:endParaRPr kumimoji="1" lang="ja-JP" altLang="en-US"/>
+            </a:p>
+          </p:txBody>
+        </p:sp>
+        <p:sp>
+          <p:nvSpPr>
+            <p:cNvPr id="18" name="円/楕円 17">
+              <a:extLst>
+                <a:ext uri="{FF2B5EF4-FFF2-40B4-BE49-F238E27FC236}">
+                  <a16:creationId xmlns:a16="http://schemas.microsoft.com/office/drawing/2014/main" id="{C1A9F4CD-0326-B8E1-A537-5C5F8C00D1DB}"/>
+                </a:ext>
+              </a:extLst>
+            </p:cNvPr>
+            <p:cNvSpPr/>
+            <p:nvPr/>
+          </p:nvSpPr>
+          <p:spPr>
+            <a:xfrm>
+              <a:off x="9816931" y="1506003"/>
+              <a:ext cx="356260" cy="201880"/>
+            </a:xfrm>
+            <a:prstGeom prst="ellipse">
+              <a:avLst/>
+            </a:prstGeom>
+            <a:noFill/>
+            <a:ln>
+              <a:solidFill>
+                <a:srgbClr val="FF0000"/>
+              </a:solidFill>
+            </a:ln>
+          </p:spPr>
+          <p:style>
+            <a:lnRef idx="2">
+              <a:schemeClr val="accent1">
+                <a:shade val="50000"/>
+              </a:schemeClr>
+            </a:lnRef>
+            <a:fillRef idx="1">
+              <a:schemeClr val="accent1"/>
+            </a:fillRef>
+            <a:effectRef idx="0">
+              <a:schemeClr val="accent1"/>
+            </a:effectRef>
+            <a:fontRef idx="minor">
+              <a:schemeClr val="lt1"/>
+            </a:fontRef>
+          </p:style>
+          <p:txBody>
+            <a:bodyPr rtlCol="0" anchor="ctr"/>
+            <a:lstStyle/>
+            <a:p>
+              <a:pPr algn="ctr"/>
+              <a:endParaRPr kumimoji="1" lang="ja-JP" altLang="en-US"/>
+            </a:p>
+          </p:txBody>
+        </p:sp>
+        <p:sp>
+          <p:nvSpPr>
+            <p:cNvPr id="19" name="円/楕円 18">
+              <a:extLst>
+                <a:ext uri="{FF2B5EF4-FFF2-40B4-BE49-F238E27FC236}">
+                  <a16:creationId xmlns:a16="http://schemas.microsoft.com/office/drawing/2014/main" id="{78D8AD8D-4624-E786-78FA-BF9BBE886572}"/>
+                </a:ext>
+              </a:extLst>
+            </p:cNvPr>
+            <p:cNvSpPr/>
+            <p:nvPr/>
+          </p:nvSpPr>
+          <p:spPr>
+            <a:xfrm>
+              <a:off x="7618018" y="2940938"/>
+              <a:ext cx="356260" cy="201880"/>
+            </a:xfrm>
+            <a:prstGeom prst="ellipse">
+              <a:avLst/>
+            </a:prstGeom>
+            <a:noFill/>
+            <a:ln>
+              <a:solidFill>
+                <a:srgbClr val="FF0000"/>
+              </a:solidFill>
+            </a:ln>
+          </p:spPr>
+          <p:style>
+            <a:lnRef idx="2">
+              <a:schemeClr val="accent1">
+                <a:shade val="50000"/>
+              </a:schemeClr>
+            </a:lnRef>
+            <a:fillRef idx="1">
+              <a:schemeClr val="accent1"/>
+            </a:fillRef>
+            <a:effectRef idx="0">
+              <a:schemeClr val="accent1"/>
+            </a:effectRef>
+            <a:fontRef idx="minor">
+              <a:schemeClr val="lt1"/>
+            </a:fontRef>
+          </p:style>
+          <p:txBody>
+            <a:bodyPr rtlCol="0" anchor="ctr"/>
+            <a:lstStyle/>
+            <a:p>
+              <a:pPr algn="ctr"/>
+              <a:endParaRPr kumimoji="1" lang="ja-JP" altLang="en-US"/>
+            </a:p>
+          </p:txBody>
+        </p:sp>
+        <p:sp>
+          <p:nvSpPr>
+            <p:cNvPr id="20" name="円/楕円 19">
+              <a:extLst>
+                <a:ext uri="{FF2B5EF4-FFF2-40B4-BE49-F238E27FC236}">
+                  <a16:creationId xmlns:a16="http://schemas.microsoft.com/office/drawing/2014/main" id="{E77C5F48-DFF2-E457-7F5A-640500988C74}"/>
+                </a:ext>
+              </a:extLst>
+            </p:cNvPr>
+            <p:cNvSpPr/>
+            <p:nvPr/>
+          </p:nvSpPr>
+          <p:spPr>
+            <a:xfrm>
+              <a:off x="8348353" y="2945714"/>
+              <a:ext cx="356260" cy="201880"/>
+            </a:xfrm>
+            <a:prstGeom prst="ellipse">
+              <a:avLst/>
+            </a:prstGeom>
+            <a:noFill/>
+            <a:ln>
+              <a:solidFill>
+                <a:srgbClr val="FF0000"/>
+              </a:solidFill>
+            </a:ln>
+          </p:spPr>
+          <p:style>
+            <a:lnRef idx="2">
+              <a:schemeClr val="accent1">
+                <a:shade val="50000"/>
+              </a:schemeClr>
+            </a:lnRef>
+            <a:fillRef idx="1">
+              <a:schemeClr val="accent1"/>
+            </a:fillRef>
+            <a:effectRef idx="0">
+              <a:schemeClr val="accent1"/>
+            </a:effectRef>
+            <a:fontRef idx="minor">
+              <a:schemeClr val="lt1"/>
+            </a:fontRef>
+          </p:style>
+          <p:txBody>
+            <a:bodyPr rtlCol="0" anchor="ctr"/>
+            <a:lstStyle/>
+            <a:p>
+              <a:pPr algn="ctr"/>
+              <a:endParaRPr kumimoji="1" lang="ja-JP" altLang="en-US"/>
+            </a:p>
+          </p:txBody>
+        </p:sp>
+        <p:sp>
+          <p:nvSpPr>
+            <p:cNvPr id="22" name="円/楕円 21">
+              <a:extLst>
+                <a:ext uri="{FF2B5EF4-FFF2-40B4-BE49-F238E27FC236}">
+                  <a16:creationId xmlns:a16="http://schemas.microsoft.com/office/drawing/2014/main" id="{FAE12339-644D-D0F0-FB8D-2C258080065F}"/>
+                </a:ext>
+              </a:extLst>
+            </p:cNvPr>
+            <p:cNvSpPr/>
+            <p:nvPr/>
+          </p:nvSpPr>
+          <p:spPr>
+            <a:xfrm>
+              <a:off x="9070767" y="2940938"/>
+              <a:ext cx="356260" cy="201880"/>
+            </a:xfrm>
+            <a:prstGeom prst="ellipse">
+              <a:avLst/>
+            </a:prstGeom>
+            <a:noFill/>
+            <a:ln>
+              <a:solidFill>
+                <a:srgbClr val="FF0000"/>
+              </a:solidFill>
+            </a:ln>
+          </p:spPr>
+          <p:style>
+            <a:lnRef idx="2">
+              <a:schemeClr val="accent1">
+                <a:shade val="50000"/>
+              </a:schemeClr>
+            </a:lnRef>
+            <a:fillRef idx="1">
+              <a:schemeClr val="accent1"/>
+            </a:fillRef>
+            <a:effectRef idx="0">
+              <a:schemeClr val="accent1"/>
+            </a:effectRef>
+            <a:fontRef idx="minor">
+              <a:schemeClr val="lt1"/>
+            </a:fontRef>
+          </p:style>
+          <p:txBody>
+            <a:bodyPr rtlCol="0" anchor="ctr"/>
+            <a:lstStyle/>
+            <a:p>
+              <a:pPr algn="ctr"/>
+              <a:endParaRPr kumimoji="1" lang="ja-JP" altLang="en-US"/>
+            </a:p>
+          </p:txBody>
+        </p:sp>
+        <p:sp>
+          <p:nvSpPr>
+            <p:cNvPr id="23" name="円/楕円 22">
+              <a:extLst>
+                <a:ext uri="{FF2B5EF4-FFF2-40B4-BE49-F238E27FC236}">
+                  <a16:creationId xmlns:a16="http://schemas.microsoft.com/office/drawing/2014/main" id="{A14EB11A-15E9-1988-D02B-415EE7D5AFC4}"/>
+                </a:ext>
+              </a:extLst>
+            </p:cNvPr>
+            <p:cNvSpPr/>
+            <p:nvPr/>
+          </p:nvSpPr>
+          <p:spPr>
+            <a:xfrm>
+              <a:off x="9816931" y="2940938"/>
+              <a:ext cx="356260" cy="201880"/>
+            </a:xfrm>
+            <a:prstGeom prst="ellipse">
+              <a:avLst/>
+            </a:prstGeom>
+            <a:noFill/>
+            <a:ln>
+              <a:solidFill>
+                <a:srgbClr val="FF0000"/>
+              </a:solidFill>
+            </a:ln>
+          </p:spPr>
+          <p:style>
+            <a:lnRef idx="2">
+              <a:schemeClr val="accent1">
+                <a:shade val="50000"/>
+              </a:schemeClr>
+            </a:lnRef>
+            <a:fillRef idx="1">
+              <a:schemeClr val="accent1"/>
+            </a:fillRef>
+            <a:effectRef idx="0">
+              <a:schemeClr val="accent1"/>
+            </a:effectRef>
+            <a:fontRef idx="minor">
+              <a:schemeClr val="lt1"/>
+            </a:fontRef>
+          </p:style>
+          <p:txBody>
+            <a:bodyPr rtlCol="0" anchor="ctr"/>
+            <a:lstStyle/>
+            <a:p>
+              <a:pPr algn="ctr"/>
+              <a:endParaRPr kumimoji="1" lang="ja-JP" altLang="en-US"/>
+            </a:p>
+          </p:txBody>
+        </p:sp>
+        <p:sp>
+          <p:nvSpPr>
+            <p:cNvPr id="32" name="円/楕円 31">
+              <a:extLst>
+                <a:ext uri="{FF2B5EF4-FFF2-40B4-BE49-F238E27FC236}">
+                  <a16:creationId xmlns:a16="http://schemas.microsoft.com/office/drawing/2014/main" id="{B7716ED3-72FD-9DD0-1196-18B7802C7B83}"/>
+                </a:ext>
+              </a:extLst>
+            </p:cNvPr>
+            <p:cNvSpPr/>
+            <p:nvPr/>
+          </p:nvSpPr>
+          <p:spPr>
+            <a:xfrm>
+              <a:off x="7618018" y="2219524"/>
+              <a:ext cx="356260" cy="201880"/>
+            </a:xfrm>
+            <a:prstGeom prst="ellipse">
+              <a:avLst/>
+            </a:prstGeom>
+            <a:noFill/>
+            <a:ln>
+              <a:solidFill>
+                <a:srgbClr val="FF0000"/>
+              </a:solidFill>
+            </a:ln>
+          </p:spPr>
+          <p:style>
+            <a:lnRef idx="2">
+              <a:schemeClr val="accent1">
+                <a:shade val="50000"/>
+              </a:schemeClr>
+            </a:lnRef>
+            <a:fillRef idx="1">
+              <a:schemeClr val="accent1"/>
+            </a:fillRef>
+            <a:effectRef idx="0">
+              <a:schemeClr val="accent1"/>
+            </a:effectRef>
+            <a:fontRef idx="minor">
+              <a:schemeClr val="lt1"/>
+            </a:fontRef>
+          </p:style>
+          <p:txBody>
+            <a:bodyPr rtlCol="0" anchor="ctr"/>
+            <a:lstStyle/>
+            <a:p>
+              <a:pPr algn="ctr"/>
+              <a:endParaRPr kumimoji="1" lang="ja-JP" altLang="en-US"/>
+            </a:p>
+          </p:txBody>
+        </p:sp>
+      </p:grpSp>
     </p:spTree>
     <p:extLst>
       <p:ext uri="{BB962C8B-B14F-4D97-AF65-F5344CB8AC3E}">
@@ -6299,4 +7641,299 @@
     </a:ext>
   </a:extLst>
 </a:theme>
+</file>
+
+<file path=ppt/theme/theme2.xml><?xml version="1.0" encoding="utf-8"?>
+<a:theme xmlns:a="http://schemas.openxmlformats.org/drawingml/2006/main" name="Office テーマ">
+  <a:themeElements>
+    <a:clrScheme name="Office">
+      <a:dk1>
+        <a:sysClr val="windowText" lastClr="000000"/>
+      </a:dk1>
+      <a:lt1>
+        <a:sysClr val="window" lastClr="FFFFFF"/>
+      </a:lt1>
+      <a:dk2>
+        <a:srgbClr val="44546A"/>
+      </a:dk2>
+      <a:lt2>
+        <a:srgbClr val="E7E6E6"/>
+      </a:lt2>
+      <a:accent1>
+        <a:srgbClr val="4472C4"/>
+      </a:accent1>
+      <a:accent2>
+        <a:srgbClr val="ED7D31"/>
+      </a:accent2>
+      <a:accent3>
+        <a:srgbClr val="A5A5A5"/>
+      </a:accent3>
+      <a:accent4>
+        <a:srgbClr val="FFC000"/>
+      </a:accent4>
+      <a:accent5>
+        <a:srgbClr val="5B9BD5"/>
+      </a:accent5>
+      <a:accent6>
+        <a:srgbClr val="70AD47"/>
+      </a:accent6>
+      <a:hlink>
+        <a:srgbClr val="0563C1"/>
+      </a:hlink>
+      <a:folHlink>
+        <a:srgbClr val="954F72"/>
+      </a:folHlink>
+    </a:clrScheme>
+    <a:fontScheme name="Office">
+      <a:majorFont>
+        <a:latin typeface="游ゴシック Light" panose="020F0302020204030204"/>
+        <a:ea typeface=""/>
+        <a:cs typeface=""/>
+        <a:font script="Jpan" typeface="游ゴシック Light"/>
+        <a:font script="Hang" typeface="맑은 고딕"/>
+        <a:font script="Hans" typeface="等线 Light"/>
+        <a:font script="Hant" typeface="新細明體"/>
+        <a:font script="Arab" typeface="Times New Roman"/>
+        <a:font script="Hebr" typeface="Times New Roman"/>
+        <a:font script="Thai" typeface="Angsana New"/>
+        <a:font script="Ethi" typeface="Nyala"/>
+        <a:font script="Beng" typeface="Vrinda"/>
+        <a:font script="Gujr" typeface="Shruti"/>
+        <a:font script="Khmr" typeface="MoolBoran"/>
+        <a:font script="Knda" typeface="Tunga"/>
+        <a:font script="Guru" typeface="Raavi"/>
+        <a:font script="Cans" typeface="Euphemia"/>
+        <a:font script="Cher" typeface="Plantagenet Cherokee"/>
+        <a:font script="Yiii" typeface="Microsoft Yi Baiti"/>
+        <a:font script="Tibt" typeface="Microsoft Himalaya"/>
+        <a:font script="Thaa" typeface="MV Boli"/>
+        <a:font script="Deva" typeface="Mangal"/>
+        <a:font script="Telu" typeface="Gautami"/>
+        <a:font script="Taml" typeface="Latha"/>
+        <a:font script="Syrc" typeface="Estrangelo Edessa"/>
+        <a:font script="Orya" typeface="Kalinga"/>
+        <a:font script="Mlym" typeface="Kartika"/>
+        <a:font script="Laoo" typeface="DokChampa"/>
+        <a:font script="Sinh" typeface="Iskoola Pota"/>
+        <a:font script="Mong" typeface="Mongolian Baiti"/>
+        <a:font script="Viet" typeface="Times New Roman"/>
+        <a:font script="Uigh" typeface="Microsoft Uighur"/>
+        <a:font script="Geor" typeface="Sylfaen"/>
+        <a:font script="Armn" typeface="Arial"/>
+        <a:font script="Bugi" typeface="Leelawadee UI"/>
+        <a:font script="Bopo" typeface="Microsoft JhengHei"/>
+        <a:font script="Java" typeface="Javanese Text"/>
+        <a:font script="Lisu" typeface="Segoe UI"/>
+        <a:font script="Mymr" typeface="Myanmar Text"/>
+        <a:font script="Nkoo" typeface="Ebrima"/>
+        <a:font script="Olck" typeface="Nirmala UI"/>
+        <a:font script="Osma" typeface="Ebrima"/>
+        <a:font script="Phag" typeface="Phagspa"/>
+        <a:font script="Syrn" typeface="Estrangelo Edessa"/>
+        <a:font script="Syrj" typeface="Estrangelo Edessa"/>
+        <a:font script="Syre" typeface="Estrangelo Edessa"/>
+        <a:font script="Sora" typeface="Nirmala UI"/>
+        <a:font script="Tale" typeface="Microsoft Tai Le"/>
+        <a:font script="Talu" typeface="Microsoft New Tai Lue"/>
+        <a:font script="Tfng" typeface="Ebrima"/>
+      </a:majorFont>
+      <a:minorFont>
+        <a:latin typeface="游ゴシック" panose="020F0502020204030204"/>
+        <a:ea typeface=""/>
+        <a:cs typeface=""/>
+        <a:font script="Jpan" typeface="游ゴシック"/>
+        <a:font script="Hang" typeface="맑은 고딕"/>
+        <a:font script="Hans" typeface="等线"/>
+        <a:font script="Hant" typeface="新細明體"/>
+        <a:font script="Arab" typeface="Arial"/>
+        <a:font script="Hebr" typeface="Arial"/>
+        <a:font script="Thai" typeface="Cordia New"/>
+        <a:font script="Ethi" typeface="Nyala"/>
+        <a:font script="Beng" typeface="Vrinda"/>
+        <a:font script="Gujr" typeface="Shruti"/>
+        <a:font script="Khmr" typeface="DaunPenh"/>
+        <a:font script="Knda" typeface="Tunga"/>
+        <a:font script="Guru" typeface="Raavi"/>
+        <a:font script="Cans" typeface="Euphemia"/>
+        <a:font script="Cher" typeface="Plantagenet Cherokee"/>
+        <a:font script="Yiii" typeface="Microsoft Yi Baiti"/>
+        <a:font script="Tibt" typeface="Microsoft Himalaya"/>
+        <a:font script="Thaa" typeface="MV Boli"/>
+        <a:font script="Deva" typeface="Mangal"/>
+        <a:font script="Telu" typeface="Gautami"/>
+        <a:font script="Taml" typeface="Latha"/>
+        <a:font script="Syrc" typeface="Estrangelo Edessa"/>
+        <a:font script="Orya" typeface="Kalinga"/>
+        <a:font script="Mlym" typeface="Kartika"/>
+        <a:font script="Laoo" typeface="DokChampa"/>
+        <a:font script="Sinh" typeface="Iskoola Pota"/>
+        <a:font script="Mong" typeface="Mongolian Baiti"/>
+        <a:font script="Viet" typeface="Arial"/>
+        <a:font script="Uigh" typeface="Microsoft Uighur"/>
+        <a:font script="Geor" typeface="Sylfaen"/>
+        <a:font script="Armn" typeface="Arial"/>
+        <a:font script="Bugi" typeface="Leelawadee UI"/>
+        <a:font script="Bopo" typeface="Microsoft JhengHei"/>
+        <a:font script="Java" typeface="Javanese Text"/>
+        <a:font script="Lisu" typeface="Segoe UI"/>
+        <a:font script="Mymr" typeface="Myanmar Text"/>
+        <a:font script="Nkoo" typeface="Ebrima"/>
+        <a:font script="Olck" typeface="Nirmala UI"/>
+        <a:font script="Osma" typeface="Ebrima"/>
+        <a:font script="Phag" typeface="Phagspa"/>
+        <a:font script="Syrn" typeface="Estrangelo Edessa"/>
+        <a:font script="Syrj" typeface="Estrangelo Edessa"/>
+        <a:font script="Syre" typeface="Estrangelo Edessa"/>
+        <a:font script="Sora" typeface="Nirmala UI"/>
+        <a:font script="Tale" typeface="Microsoft Tai Le"/>
+        <a:font script="Talu" typeface="Microsoft New Tai Lue"/>
+        <a:font script="Tfng" typeface="Ebrima"/>
+      </a:minorFont>
+    </a:fontScheme>
+    <a:fmtScheme name="Office">
+      <a:fillStyleLst>
+        <a:solidFill>
+          <a:schemeClr val="phClr"/>
+        </a:solidFill>
+        <a:gradFill rotWithShape="1">
+          <a:gsLst>
+            <a:gs pos="0">
+              <a:schemeClr val="phClr">
+                <a:lumMod val="110000"/>
+                <a:satMod val="105000"/>
+                <a:tint val="67000"/>
+              </a:schemeClr>
+            </a:gs>
+            <a:gs pos="50000">
+              <a:schemeClr val="phClr">
+                <a:lumMod val="105000"/>
+                <a:satMod val="103000"/>
+                <a:tint val="73000"/>
+              </a:schemeClr>
+            </a:gs>
+            <a:gs pos="100000">
+              <a:schemeClr val="phClr">
+                <a:lumMod val="105000"/>
+                <a:satMod val="109000"/>
+                <a:tint val="81000"/>
+              </a:schemeClr>
+            </a:gs>
+          </a:gsLst>
+          <a:lin ang="5400000" scaled="0"/>
+        </a:gradFill>
+        <a:gradFill rotWithShape="1">
+          <a:gsLst>
+            <a:gs pos="0">
+              <a:schemeClr val="phClr">
+                <a:satMod val="103000"/>
+                <a:lumMod val="102000"/>
+                <a:tint val="94000"/>
+              </a:schemeClr>
+            </a:gs>
+            <a:gs pos="50000">
+              <a:schemeClr val="phClr">
+                <a:satMod val="110000"/>
+                <a:lumMod val="100000"/>
+                <a:shade val="100000"/>
+              </a:schemeClr>
+            </a:gs>
+            <a:gs pos="100000">
+              <a:schemeClr val="phClr">
+                <a:lumMod val="99000"/>
+                <a:satMod val="120000"/>
+                <a:shade val="78000"/>
+              </a:schemeClr>
+            </a:gs>
+          </a:gsLst>
+          <a:lin ang="5400000" scaled="0"/>
+        </a:gradFill>
+      </a:fillStyleLst>
+      <a:lnStyleLst>
+        <a:ln w="6350" cap="flat" cmpd="sng" algn="ctr">
+          <a:solidFill>
+            <a:schemeClr val="phClr"/>
+          </a:solidFill>
+          <a:prstDash val="solid"/>
+          <a:miter lim="800000"/>
+        </a:ln>
+        <a:ln w="12700" cap="flat" cmpd="sng" algn="ctr">
+          <a:solidFill>
+            <a:schemeClr val="phClr"/>
+          </a:solidFill>
+          <a:prstDash val="solid"/>
+          <a:miter lim="800000"/>
+        </a:ln>
+        <a:ln w="19050" cap="flat" cmpd="sng" algn="ctr">
+          <a:solidFill>
+            <a:schemeClr val="phClr"/>
+          </a:solidFill>
+          <a:prstDash val="solid"/>
+          <a:miter lim="800000"/>
+        </a:ln>
+      </a:lnStyleLst>
+      <a:effectStyleLst>
+        <a:effectStyle>
+          <a:effectLst/>
+        </a:effectStyle>
+        <a:effectStyle>
+          <a:effectLst/>
+        </a:effectStyle>
+        <a:effectStyle>
+          <a:effectLst>
+            <a:outerShdw blurRad="57150" dist="19050" dir="5400000" algn="ctr" rotWithShape="0">
+              <a:srgbClr val="000000">
+                <a:alpha val="63000"/>
+              </a:srgbClr>
+            </a:outerShdw>
+          </a:effectLst>
+        </a:effectStyle>
+      </a:effectStyleLst>
+      <a:bgFillStyleLst>
+        <a:solidFill>
+          <a:schemeClr val="phClr"/>
+        </a:solidFill>
+        <a:solidFill>
+          <a:schemeClr val="phClr">
+            <a:tint val="95000"/>
+            <a:satMod val="170000"/>
+          </a:schemeClr>
+        </a:solidFill>
+        <a:gradFill rotWithShape="1">
+          <a:gsLst>
+            <a:gs pos="0">
+              <a:schemeClr val="phClr">
+                <a:tint val="93000"/>
+                <a:satMod val="150000"/>
+                <a:shade val="98000"/>
+                <a:lumMod val="102000"/>
+              </a:schemeClr>
+            </a:gs>
+            <a:gs pos="50000">
+              <a:schemeClr val="phClr">
+                <a:tint val="98000"/>
+                <a:satMod val="130000"/>
+                <a:shade val="90000"/>
+                <a:lumMod val="103000"/>
+              </a:schemeClr>
+            </a:gs>
+            <a:gs pos="100000">
+              <a:schemeClr val="phClr">
+                <a:shade val="63000"/>
+                <a:satMod val="120000"/>
+              </a:schemeClr>
+            </a:gs>
+          </a:gsLst>
+          <a:lin ang="5400000" scaled="0"/>
+        </a:gradFill>
+      </a:bgFillStyleLst>
+    </a:fmtScheme>
+  </a:themeElements>
+  <a:objectDefaults/>
+  <a:extraClrSchemeLst/>
+  <a:extLst>
+    <a:ext uri="{05A4C25C-085E-4340-85A3-A5531E510DB2}">
+      <thm15:themeFamily xmlns:thm15="http://schemas.microsoft.com/office/thememl/2012/main" name="Office Theme" id="{62F939B6-93AF-4DB8-9C6B-D6C7DFDC589F}" vid="{4A3C46E8-61CC-4603-A589-7422A47A8E4A}"/>
+    </a:ext>
+  </a:extLst>
+</a:theme>
 </file>